--- a/Trabajo Final SMARTDATA - Databricks - Jhon Wilson Mendoza Cutipa.pptx
+++ b/Trabajo Final SMARTDATA - Databricks - Jhon Wilson Mendoza Cutipa.pptx
@@ -5,10 +5,10 @@
     <p:sldMasterId id="2147483822" r:id="rId4"/>
   </p:sldMasterIdLst>
   <p:notesMasterIdLst>
-    <p:notesMasterId r:id="rId25"/>
+    <p:notesMasterId r:id="rId27"/>
   </p:notesMasterIdLst>
   <p:handoutMasterIdLst>
-    <p:handoutMasterId r:id="rId26"/>
+    <p:handoutMasterId r:id="rId28"/>
   </p:handoutMasterIdLst>
   <p:sldIdLst>
     <p:sldId id="256" r:id="rId5"/>
@@ -29,8 +29,10 @@
     <p:sldId id="3893" r:id="rId20"/>
     <p:sldId id="3892" r:id="rId21"/>
     <p:sldId id="3891" r:id="rId22"/>
-    <p:sldId id="3900" r:id="rId23"/>
-    <p:sldId id="3849" r:id="rId24"/>
+    <p:sldId id="3901" r:id="rId23"/>
+    <p:sldId id="3902" r:id="rId24"/>
+    <p:sldId id="3900" r:id="rId25"/>
+    <p:sldId id="3849" r:id="rId26"/>
   </p:sldIdLst>
   <p:sldSz cx="12192000" cy="6858000"/>
   <p:notesSz cx="6858000" cy="9144000"/>
@@ -219,7 +221,7 @@
           <a:p>
             <a:fld id="{F6584934-78DA-4D82-A716-5DB1A7655959}" type="datetimeFigureOut">
               <a:rPr lang="en-US" smtClean="0"/>
-              <a:t>8/13/2025</a:t>
+              <a:t>8/17/2025</a:t>
             </a:fld>
             <a:endParaRPr lang="en-US"/>
           </a:p>
@@ -385,7 +387,7 @@
           <a:p>
             <a:fld id="{32AF0ECD-497A-466D-B3AB-0C5AA43DBB4E}" type="datetimeFigureOut">
               <a:rPr lang="es-PE" smtClean="0"/>
-              <a:t>13/08/2025</a:t>
+              <a:t>17/08/2025</a:t>
             </a:fld>
             <a:endParaRPr lang="es-PE"/>
           </a:p>
@@ -907,7 +909,7 @@
           <a:p>
             <a:fld id="{B2558FB1-8D16-4D9C-B2DF-BBF6F0C81DD7}" type="datetime1">
               <a:rPr lang="es-PE" smtClean="0"/>
-              <a:t>13/08/2025</a:t>
+              <a:t>17/08/2025</a:t>
             </a:fld>
             <a:endParaRPr lang="es-PE"/>
           </a:p>
@@ -1077,7 +1079,7 @@
           <a:p>
             <a:fld id="{8866E1EB-6502-4322-83E9-5E04B8A2ECF7}" type="datetime1">
               <a:rPr lang="es-PE" smtClean="0"/>
-              <a:t>13/08/2025</a:t>
+              <a:t>17/08/2025</a:t>
             </a:fld>
             <a:endParaRPr lang="es-PE"/>
           </a:p>
@@ -1257,7 +1259,7 @@
           <a:p>
             <a:fld id="{16078137-F98F-4117-B65D-B756FE5A1E7C}" type="datetime1">
               <a:rPr lang="es-PE" smtClean="0"/>
-              <a:t>13/08/2025</a:t>
+              <a:t>17/08/2025</a:t>
             </a:fld>
             <a:endParaRPr lang="es-PE"/>
           </a:p>
@@ -1427,7 +1429,7 @@
           <a:p>
             <a:fld id="{556099E5-F13D-43A9-8EDA-CC50270311C2}" type="datetime1">
               <a:rPr lang="es-PE" smtClean="0"/>
-              <a:t>13/08/2025</a:t>
+              <a:t>17/08/2025</a:t>
             </a:fld>
             <a:endParaRPr lang="es-PE"/>
           </a:p>
@@ -1687,7 +1689,7 @@
           <a:p>
             <a:fld id="{19E3943B-4F14-4F64-AD65-811C9123ADA4}" type="datetime1">
               <a:rPr lang="es-PE" smtClean="0"/>
-              <a:t>13/08/2025</a:t>
+              <a:t>17/08/2025</a:t>
             </a:fld>
             <a:endParaRPr lang="es-PE"/>
           </a:p>
@@ -1919,7 +1921,7 @@
           <a:p>
             <a:fld id="{77E16270-D95A-4A80-AF20-C34E20A5686A}" type="datetime1">
               <a:rPr lang="es-PE" smtClean="0"/>
-              <a:t>13/08/2025</a:t>
+              <a:t>17/08/2025</a:t>
             </a:fld>
             <a:endParaRPr lang="es-PE"/>
           </a:p>
@@ -2286,7 +2288,7 @@
           <a:p>
             <a:fld id="{26A462BD-EEFD-4F02-BF72-5EEE42EADAF2}" type="datetime1">
               <a:rPr lang="es-PE" smtClean="0"/>
-              <a:t>13/08/2025</a:t>
+              <a:t>17/08/2025</a:t>
             </a:fld>
             <a:endParaRPr lang="es-PE"/>
           </a:p>
@@ -2404,7 +2406,7 @@
           <a:p>
             <a:fld id="{4A8E93C5-DC60-4130-A630-C356BD551D6B}" type="datetime1">
               <a:rPr lang="es-PE" smtClean="0"/>
-              <a:t>13/08/2025</a:t>
+              <a:t>17/08/2025</a:t>
             </a:fld>
             <a:endParaRPr lang="es-PE"/>
           </a:p>
@@ -2499,7 +2501,7 @@
           <a:p>
             <a:fld id="{16236758-9408-4DA9-A35A-3B96AB657219}" type="datetime1">
               <a:rPr lang="es-PE" smtClean="0"/>
-              <a:t>13/08/2025</a:t>
+              <a:t>17/08/2025</a:t>
             </a:fld>
             <a:endParaRPr lang="es-PE"/>
           </a:p>
@@ -2776,7 +2778,7 @@
           <a:p>
             <a:fld id="{517782B2-9001-4934-A080-CD18F16CEF8C}" type="datetime1">
               <a:rPr lang="es-PE" smtClean="0"/>
-              <a:t>13/08/2025</a:t>
+              <a:t>17/08/2025</a:t>
             </a:fld>
             <a:endParaRPr lang="es-PE"/>
           </a:p>
@@ -3029,7 +3031,7 @@
           <a:p>
             <a:fld id="{2924B682-752E-44D3-87A4-15FA1FEC1741}" type="datetime1">
               <a:rPr lang="es-PE" smtClean="0"/>
-              <a:t>13/08/2025</a:t>
+              <a:t>17/08/2025</a:t>
             </a:fld>
             <a:endParaRPr lang="es-PE"/>
           </a:p>
@@ -3242,7 +3244,7 @@
           <a:p>
             <a:fld id="{16236758-9408-4DA9-A35A-3B96AB657219}" type="datetime1">
               <a:rPr lang="es-PE" smtClean="0"/>
-              <a:t>13/08/2025</a:t>
+              <a:t>17/08/2025</a:t>
             </a:fld>
             <a:endParaRPr lang="es-PE"/>
           </a:p>
@@ -3809,21 +3811,8 @@
                   <a:schemeClr val="bg1"/>
                 </a:solidFill>
               </a:rPr>
-              <a:t>CASO DE USO: SOLICITUDES EN LINEA  - financiera </a:t>
+              <a:t>CASO DE USO: DESEMBOLSOS DE CREDITOS EN LINEA  </a:t>
             </a:r>
-            <a:r>
-              <a:rPr lang="es-PE" sz="3600" b="1" dirty="0" err="1">
-                <a:solidFill>
-                  <a:schemeClr val="bg1"/>
-                </a:solidFill>
-              </a:rPr>
-              <a:t>PrestaSol</a:t>
-            </a:r>
-            <a:endParaRPr lang="es-PE" sz="3600" b="1" dirty="0">
-              <a:solidFill>
-                <a:schemeClr val="bg1"/>
-              </a:solidFill>
-            </a:endParaRPr>
           </a:p>
         </p:txBody>
       </p:sp>
@@ -10141,7 +10130,7 @@
         <p:cNvPr id="1" name="">
           <a:extLst>
             <a:ext uri="{FF2B5EF4-FFF2-40B4-BE49-F238E27FC236}">
-              <a16:creationId xmlns:a16="http://schemas.microsoft.com/office/drawing/2014/main" id="{65ABEE94-DEF9-5892-B62B-03FF22BCC9B5}"/>
+              <a16:creationId xmlns:a16="http://schemas.microsoft.com/office/drawing/2014/main" id="{51E7AC2D-A55D-BAEF-3361-840D20397897}"/>
             </a:ext>
           </a:extLst>
         </p:cNvPr>
@@ -10161,7 +10150,7 @@
           <p:cNvPr id="5" name="Imagen 4">
             <a:extLst>
               <a:ext uri="{FF2B5EF4-FFF2-40B4-BE49-F238E27FC236}">
-                <a16:creationId xmlns:a16="http://schemas.microsoft.com/office/drawing/2014/main" id="{21FB7571-2363-4374-F392-BD622AFCBB4E}"/>
+                <a16:creationId xmlns:a16="http://schemas.microsoft.com/office/drawing/2014/main" id="{D8D866E8-C107-E655-255C-E28E2DD1270A}"/>
               </a:ext>
             </a:extLst>
           </p:cNvPr>
@@ -10205,7 +10194,7 @@
           <p:cNvPr id="25" name="Retraso 24">
             <a:extLst>
               <a:ext uri="{FF2B5EF4-FFF2-40B4-BE49-F238E27FC236}">
-                <a16:creationId xmlns:a16="http://schemas.microsoft.com/office/drawing/2014/main" id="{7ECCEAAE-EDE2-D7FE-0D2A-E56234BCB2FF}"/>
+                <a16:creationId xmlns:a16="http://schemas.microsoft.com/office/drawing/2014/main" id="{22029A09-6285-E6F1-5E2A-0B58AC32FFE0}"/>
               </a:ext>
             </a:extLst>
           </p:cNvPr>
@@ -10264,7 +10253,7 @@
           <p:cNvPr id="22" name="Imagen 21">
             <a:extLst>
               <a:ext uri="{FF2B5EF4-FFF2-40B4-BE49-F238E27FC236}">
-                <a16:creationId xmlns:a16="http://schemas.microsoft.com/office/drawing/2014/main" id="{75C15191-8241-EA8F-B2CA-72742A3459B2}"/>
+                <a16:creationId xmlns:a16="http://schemas.microsoft.com/office/drawing/2014/main" id="{B66CCB7E-1D42-290D-1030-8D4E5685DE40}"/>
               </a:ext>
             </a:extLst>
           </p:cNvPr>
@@ -10300,7 +10289,7 @@
           <p:cNvPr id="23" name="Imagen 22">
             <a:extLst>
               <a:ext uri="{FF2B5EF4-FFF2-40B4-BE49-F238E27FC236}">
-                <a16:creationId xmlns:a16="http://schemas.microsoft.com/office/drawing/2014/main" id="{AB4930FF-F858-540F-3172-3C3996BB3729}"/>
+                <a16:creationId xmlns:a16="http://schemas.microsoft.com/office/drawing/2014/main" id="{AF084C5F-B323-F1B4-41C1-50077089FDDE}"/>
               </a:ext>
             </a:extLst>
           </p:cNvPr>
@@ -10336,7 +10325,7 @@
           <p:cNvPr id="15" name="Retraso 14">
             <a:extLst>
               <a:ext uri="{FF2B5EF4-FFF2-40B4-BE49-F238E27FC236}">
-                <a16:creationId xmlns:a16="http://schemas.microsoft.com/office/drawing/2014/main" id="{C9DF1F3C-677B-CD1A-7811-796F0FE3D186}"/>
+                <a16:creationId xmlns:a16="http://schemas.microsoft.com/office/drawing/2014/main" id="{379EEDBB-B09C-7D91-017B-9E3585F5119A}"/>
               </a:ext>
             </a:extLst>
           </p:cNvPr>
@@ -10395,7 +10384,7 @@
           <p:cNvPr id="7" name="Rectángulo redondeado 6">
             <a:extLst>
               <a:ext uri="{FF2B5EF4-FFF2-40B4-BE49-F238E27FC236}">
-                <a16:creationId xmlns:a16="http://schemas.microsoft.com/office/drawing/2014/main" id="{0D58F9A7-3AB4-6002-9E5A-852D0B3AD2D4}"/>
+                <a16:creationId xmlns:a16="http://schemas.microsoft.com/office/drawing/2014/main" id="{1B71D9D3-24FE-4F1D-38CD-F42571AA5330}"/>
               </a:ext>
             </a:extLst>
           </p:cNvPr>
@@ -10445,7 +10434,7 @@
           <p:cNvPr id="8" name="Título 1">
             <a:extLst>
               <a:ext uri="{FF2B5EF4-FFF2-40B4-BE49-F238E27FC236}">
-                <a16:creationId xmlns:a16="http://schemas.microsoft.com/office/drawing/2014/main" id="{9E7FBAFA-D5CC-A65B-1B1E-065B0811C66C}"/>
+                <a16:creationId xmlns:a16="http://schemas.microsoft.com/office/drawing/2014/main" id="{F1DF374C-FCA4-FB93-89DE-4B5C4AA965D8}"/>
               </a:ext>
             </a:extLst>
           </p:cNvPr>
@@ -10503,7 +10492,7 @@
                   </a:schemeClr>
                 </a:solidFill>
               </a:rPr>
-              <a:t>Resultado</a:t>
+              <a:t>Ejecución y pasos</a:t>
             </a:r>
           </a:p>
         </p:txBody>
@@ -10513,7 +10502,7 @@
           <p:cNvPr id="9" name="Imagen 8">
             <a:extLst>
               <a:ext uri="{FF2B5EF4-FFF2-40B4-BE49-F238E27FC236}">
-                <a16:creationId xmlns:a16="http://schemas.microsoft.com/office/drawing/2014/main" id="{5087BA36-9E59-85E6-03C8-28F84A14A6CF}"/>
+                <a16:creationId xmlns:a16="http://schemas.microsoft.com/office/drawing/2014/main" id="{15C47B9A-6F2C-7F98-AFA8-879D42F1EBC1}"/>
               </a:ext>
             </a:extLst>
           </p:cNvPr>
@@ -10549,7 +10538,7 @@
           <p:cNvPr id="10" name="Imagen 9">
             <a:extLst>
               <a:ext uri="{FF2B5EF4-FFF2-40B4-BE49-F238E27FC236}">
-                <a16:creationId xmlns:a16="http://schemas.microsoft.com/office/drawing/2014/main" id="{512A5E4F-6F1F-FDEF-498B-A4DBF6C8F27B}"/>
+                <a16:creationId xmlns:a16="http://schemas.microsoft.com/office/drawing/2014/main" id="{2385E147-FF5B-D1AD-D880-0E2806596533}"/>
               </a:ext>
             </a:extLst>
           </p:cNvPr>
@@ -10585,7 +10574,7 @@
           <p:cNvPr id="17" name="Conector recto de flecha 16">
             <a:extLst>
               <a:ext uri="{FF2B5EF4-FFF2-40B4-BE49-F238E27FC236}">
-                <a16:creationId xmlns:a16="http://schemas.microsoft.com/office/drawing/2014/main" id="{17573E32-32F3-1EB2-3EC1-E040B3051541}"/>
+                <a16:creationId xmlns:a16="http://schemas.microsoft.com/office/drawing/2014/main" id="{CF2C2154-26F7-0A60-4982-52E9289F5002}"/>
               </a:ext>
             </a:extLst>
           </p:cNvPr>
@@ -10624,7 +10613,7 @@
           <p:cNvPr id="11" name="Marcador de número de diapositiva 10">
             <a:extLst>
               <a:ext uri="{FF2B5EF4-FFF2-40B4-BE49-F238E27FC236}">
-                <a16:creationId xmlns:a16="http://schemas.microsoft.com/office/drawing/2014/main" id="{772D1882-94DA-7C60-0AF3-7DE01BFD5347}"/>
+                <a16:creationId xmlns:a16="http://schemas.microsoft.com/office/drawing/2014/main" id="{3DCC4457-7409-0179-AD02-7DECEE6D2401}"/>
               </a:ext>
             </a:extLst>
           </p:cNvPr>
@@ -10653,7 +10642,7 @@
           <p:cNvPr id="6" name="Picture 220">
             <a:extLst>
               <a:ext uri="{FF2B5EF4-FFF2-40B4-BE49-F238E27FC236}">
-                <a16:creationId xmlns:a16="http://schemas.microsoft.com/office/drawing/2014/main" id="{1093F872-7B1F-6533-7D6F-3EA18538930C}"/>
+                <a16:creationId xmlns:a16="http://schemas.microsoft.com/office/drawing/2014/main" id="{13548DDB-B1D4-E565-A840-AA7031511F47}"/>
               </a:ext>
             </a:extLst>
           </p:cNvPr>
@@ -10683,7 +10672,7 @@
           <p:cNvPr id="12" name="Google Shape;536;g1151e68693e_4_1471">
             <a:extLst>
               <a:ext uri="{FF2B5EF4-FFF2-40B4-BE49-F238E27FC236}">
-                <a16:creationId xmlns:a16="http://schemas.microsoft.com/office/drawing/2014/main" id="{CABFA0BF-4264-07DE-5205-4AFAAB671838}"/>
+                <a16:creationId xmlns:a16="http://schemas.microsoft.com/office/drawing/2014/main" id="{24FA7D56-B324-B611-7027-1B20D936A928}"/>
               </a:ext>
             </a:extLst>
           </p:cNvPr>
@@ -10716,7 +10705,7 @@
           <p:cNvPr id="21" name="CuadroTexto 20">
             <a:extLst>
               <a:ext uri="{FF2B5EF4-FFF2-40B4-BE49-F238E27FC236}">
-                <a16:creationId xmlns:a16="http://schemas.microsoft.com/office/drawing/2014/main" id="{AB6B8E0E-0365-1BDA-5FFA-AF44CEA824B8}"/>
+                <a16:creationId xmlns:a16="http://schemas.microsoft.com/office/drawing/2014/main" id="{5F5C508F-43A9-3812-56F8-614C78C4C48A}"/>
               </a:ext>
             </a:extLst>
           </p:cNvPr>
@@ -10726,7 +10715,7 @@
         <p:spPr>
           <a:xfrm>
             <a:off x="1509391" y="1748598"/>
-            <a:ext cx="5637184" cy="369332"/>
+            <a:ext cx="9319411" cy="369332"/>
           </a:xfrm>
           <a:prstGeom prst="rect">
             <a:avLst/>
@@ -10741,16 +10730,45 @@
           <a:p>
             <a:r>
               <a:rPr lang="es-PE" dirty="0"/>
-              <a:t>Muestra de </a:t>
+              <a:t>Configuramos las credenciales para la conexión de </a:t>
             </a:r>
             <a:r>
               <a:rPr lang="es-PE" dirty="0" err="1"/>
-              <a:t>dashboard</a:t>
+              <a:t>databricks</a:t>
             </a:r>
             <a:r>
               <a:rPr lang="es-PE" dirty="0"/>
-              <a:t> con los resultados de la capa GOLD</a:t>
+              <a:t> con </a:t>
             </a:r>
+            <a:r>
+              <a:rPr lang="es-PE" dirty="0" err="1"/>
+              <a:t>power</a:t>
+            </a:r>
+            <a:r>
+              <a:rPr lang="es-PE" dirty="0"/>
+              <a:t> </a:t>
+            </a:r>
+            <a:r>
+              <a:rPr lang="es-PE" dirty="0" err="1"/>
+              <a:t>bi</a:t>
+            </a:r>
+            <a:r>
+              <a:rPr lang="es-PE" dirty="0"/>
+              <a:t> mediante </a:t>
+            </a:r>
+            <a:r>
+              <a:rPr lang="es-PE" dirty="0" err="1"/>
+              <a:t>direct</a:t>
+            </a:r>
+            <a:r>
+              <a:rPr lang="es-PE" dirty="0"/>
+              <a:t> </a:t>
+            </a:r>
+            <a:r>
+              <a:rPr lang="es-PE" dirty="0" err="1"/>
+              <a:t>query</a:t>
+            </a:r>
+            <a:endParaRPr lang="es-PE" dirty="0"/>
           </a:p>
         </p:txBody>
       </p:sp>
@@ -10759,7 +10777,7 @@
           <p:cNvPr id="4" name="Imagen 3">
             <a:extLst>
               <a:ext uri="{FF2B5EF4-FFF2-40B4-BE49-F238E27FC236}">
-                <a16:creationId xmlns:a16="http://schemas.microsoft.com/office/drawing/2014/main" id="{54551A02-9FDD-AC73-56F3-6A4B3D5706CE}"/>
+                <a16:creationId xmlns:a16="http://schemas.microsoft.com/office/drawing/2014/main" id="{C2A071A8-BBC3-E882-290B-6FFF3FCDE6F7}"/>
               </a:ext>
             </a:extLst>
           </p:cNvPr>
@@ -10776,8 +10794,8 @@
         </p:blipFill>
         <p:spPr>
           <a:xfrm>
-            <a:off x="1509391" y="2211053"/>
-            <a:ext cx="8214852" cy="4390592"/>
+            <a:off x="1672718" y="2177892"/>
+            <a:ext cx="8033265" cy="4391406"/>
           </a:xfrm>
           <a:prstGeom prst="rect">
             <a:avLst/>
@@ -10787,7 +10805,7 @@
     </p:spTree>
     <p:extLst>
       <p:ext uri="{BB962C8B-B14F-4D97-AF65-F5344CB8AC3E}">
-        <p14:creationId xmlns:p14="http://schemas.microsoft.com/office/powerpoint/2010/main" val="3628587087"/>
+        <p14:creationId xmlns:p14="http://schemas.microsoft.com/office/powerpoint/2010/main" val="1529417924"/>
       </p:ext>
     </p:extLst>
   </p:cSld>
@@ -11872,6 +11890,1353 @@
   <p:cSld>
     <p:spTree>
       <p:nvGrpSpPr>
+        <p:cNvPr id="1" name="">
+          <a:extLst>
+            <a:ext uri="{FF2B5EF4-FFF2-40B4-BE49-F238E27FC236}">
+              <a16:creationId xmlns:a16="http://schemas.microsoft.com/office/drawing/2014/main" id="{303167AA-5A0F-F4FC-088A-D0536E91011D}"/>
+            </a:ext>
+          </a:extLst>
+        </p:cNvPr>
+        <p:cNvGrpSpPr/>
+        <p:nvPr/>
+      </p:nvGrpSpPr>
+      <p:grpSpPr>
+        <a:xfrm>
+          <a:off x="0" y="0"/>
+          <a:ext cx="0" cy="0"/>
+          <a:chOff x="0" y="0"/>
+          <a:chExt cx="0" cy="0"/>
+        </a:xfrm>
+      </p:grpSpPr>
+      <p:pic>
+        <p:nvPicPr>
+          <p:cNvPr id="5" name="Imagen 4">
+            <a:extLst>
+              <a:ext uri="{FF2B5EF4-FFF2-40B4-BE49-F238E27FC236}">
+                <a16:creationId xmlns:a16="http://schemas.microsoft.com/office/drawing/2014/main" id="{50CEBE35-CDFB-2874-A821-E33421755CD0}"/>
+              </a:ext>
+            </a:extLst>
+          </p:cNvPr>
+          <p:cNvPicPr>
+            <a:picLocks noChangeAspect="1"/>
+          </p:cNvPicPr>
+          <p:nvPr/>
+        </p:nvPicPr>
+        <p:blipFill rotWithShape="1">
+          <a:blip r:embed="rId2" cstate="print">
+            <a:extLst>
+              <a:ext uri="{BEBA8EAE-BF5A-486C-A8C5-ECC9F3942E4B}">
+                <a14:imgProps xmlns:a14="http://schemas.microsoft.com/office/drawing/2010/main">
+                  <a14:imgLayer r:embed="rId3">
+                    <a14:imgEffect>
+                      <a14:brightnessContrast bright="20000" contrast="-40000"/>
+                    </a14:imgEffect>
+                  </a14:imgLayer>
+                </a14:imgProps>
+              </a:ext>
+              <a:ext uri="{28A0092B-C50C-407E-A947-70E740481C1C}">
+                <a14:useLocalDpi xmlns:a14="http://schemas.microsoft.com/office/drawing/2010/main" val="0"/>
+              </a:ext>
+            </a:extLst>
+          </a:blip>
+          <a:srcRect l="5831" t="7422" b="4292"/>
+          <a:stretch/>
+        </p:blipFill>
+        <p:spPr>
+          <a:xfrm>
+            <a:off x="0" y="0"/>
+            <a:ext cx="7697723" cy="6858000"/>
+          </a:xfrm>
+          <a:prstGeom prst="rect">
+            <a:avLst/>
+          </a:prstGeom>
+        </p:spPr>
+      </p:pic>
+      <p:sp>
+        <p:nvSpPr>
+          <p:cNvPr id="25" name="Retraso 24">
+            <a:extLst>
+              <a:ext uri="{FF2B5EF4-FFF2-40B4-BE49-F238E27FC236}">
+                <a16:creationId xmlns:a16="http://schemas.microsoft.com/office/drawing/2014/main" id="{15F1A48C-7697-4556-012B-AFC86C0EBD58}"/>
+              </a:ext>
+            </a:extLst>
+          </p:cNvPr>
+          <p:cNvSpPr/>
+          <p:nvPr/>
+        </p:nvSpPr>
+        <p:spPr>
+          <a:xfrm flipH="1">
+            <a:off x="11714244" y="6356349"/>
+            <a:ext cx="557307" cy="557307"/>
+          </a:xfrm>
+          <a:prstGeom prst="flowChartDelay">
+            <a:avLst/>
+          </a:prstGeom>
+          <a:solidFill>
+            <a:srgbClr val="4CA4D8"/>
+          </a:solidFill>
+          <a:ln>
+            <a:noFill/>
+          </a:ln>
+          <a:effectLst>
+            <a:outerShdw blurRad="50800" dist="38100" dir="8100000" algn="tr" rotWithShape="0">
+              <a:prstClr val="black">
+                <a:alpha val="40000"/>
+              </a:prstClr>
+            </a:outerShdw>
+          </a:effectLst>
+        </p:spPr>
+        <p:style>
+          <a:lnRef idx="2">
+            <a:schemeClr val="accent1">
+              <a:shade val="50000"/>
+            </a:schemeClr>
+          </a:lnRef>
+          <a:fillRef idx="1">
+            <a:schemeClr val="accent1"/>
+          </a:fillRef>
+          <a:effectRef idx="0">
+            <a:schemeClr val="accent1"/>
+          </a:effectRef>
+          <a:fontRef idx="minor">
+            <a:schemeClr val="lt1"/>
+          </a:fontRef>
+        </p:style>
+        <p:txBody>
+          <a:bodyPr rtlCol="0" anchor="ctr"/>
+          <a:lstStyle/>
+          <a:p>
+            <a:pPr algn="ctr"/>
+            <a:endParaRPr lang="en-US"/>
+          </a:p>
+        </p:txBody>
+      </p:sp>
+      <p:pic>
+        <p:nvPicPr>
+          <p:cNvPr id="22" name="Imagen 21">
+            <a:extLst>
+              <a:ext uri="{FF2B5EF4-FFF2-40B4-BE49-F238E27FC236}">
+                <a16:creationId xmlns:a16="http://schemas.microsoft.com/office/drawing/2014/main" id="{1BFFD67F-E7CB-0166-DE6D-621282592D21}"/>
+              </a:ext>
+            </a:extLst>
+          </p:cNvPr>
+          <p:cNvPicPr>
+            <a:picLocks noChangeAspect="1"/>
+          </p:cNvPicPr>
+          <p:nvPr/>
+        </p:nvPicPr>
+        <p:blipFill>
+          <a:blip r:embed="rId4" cstate="hqprint">
+            <a:extLst>
+              <a:ext uri="{28A0092B-C50C-407E-A947-70E740481C1C}">
+                <a14:useLocalDpi xmlns:a14="http://schemas.microsoft.com/office/drawing/2010/main" val="0"/>
+              </a:ext>
+            </a:extLst>
+          </a:blip>
+          <a:stretch>
+            <a:fillRect/>
+          </a:stretch>
+        </p:blipFill>
+        <p:spPr>
+          <a:xfrm rot="10800000">
+            <a:off x="11275379" y="5374781"/>
+            <a:ext cx="697896" cy="479718"/>
+          </a:xfrm>
+          <a:prstGeom prst="rect">
+            <a:avLst/>
+          </a:prstGeom>
+        </p:spPr>
+      </p:pic>
+      <p:pic>
+        <p:nvPicPr>
+          <p:cNvPr id="23" name="Imagen 22">
+            <a:extLst>
+              <a:ext uri="{FF2B5EF4-FFF2-40B4-BE49-F238E27FC236}">
+                <a16:creationId xmlns:a16="http://schemas.microsoft.com/office/drawing/2014/main" id="{409CBCED-F9A5-FBF9-8C93-28E909E3418A}"/>
+              </a:ext>
+            </a:extLst>
+          </p:cNvPr>
+          <p:cNvPicPr>
+            <a:picLocks noChangeAspect="1"/>
+          </p:cNvPicPr>
+          <p:nvPr/>
+        </p:nvPicPr>
+        <p:blipFill>
+          <a:blip r:embed="rId4" cstate="hqprint">
+            <a:extLst>
+              <a:ext uri="{28A0092B-C50C-407E-A947-70E740481C1C}">
+                <a14:useLocalDpi xmlns:a14="http://schemas.microsoft.com/office/drawing/2010/main" val="0"/>
+              </a:ext>
+            </a:extLst>
+          </a:blip>
+          <a:stretch>
+            <a:fillRect/>
+          </a:stretch>
+        </p:blipFill>
+        <p:spPr>
+          <a:xfrm rot="10800000">
+            <a:off x="11275379" y="4807195"/>
+            <a:ext cx="697896" cy="479718"/>
+          </a:xfrm>
+          <a:prstGeom prst="rect">
+            <a:avLst/>
+          </a:prstGeom>
+        </p:spPr>
+      </p:pic>
+      <p:sp>
+        <p:nvSpPr>
+          <p:cNvPr id="15" name="Retraso 14">
+            <a:extLst>
+              <a:ext uri="{FF2B5EF4-FFF2-40B4-BE49-F238E27FC236}">
+                <a16:creationId xmlns:a16="http://schemas.microsoft.com/office/drawing/2014/main" id="{2F9F8E5E-16B1-A934-09AD-B99E04F9DFF3}"/>
+              </a:ext>
+            </a:extLst>
+          </p:cNvPr>
+          <p:cNvSpPr/>
+          <p:nvPr/>
+        </p:nvSpPr>
+        <p:spPr>
+          <a:xfrm>
+            <a:off x="0" y="494675"/>
+            <a:ext cx="1229193" cy="1184223"/>
+          </a:xfrm>
+          <a:prstGeom prst="flowChartDelay">
+            <a:avLst/>
+          </a:prstGeom>
+          <a:solidFill>
+            <a:srgbClr val="4CA4D8"/>
+          </a:solidFill>
+          <a:ln>
+            <a:noFill/>
+          </a:ln>
+          <a:effectLst>
+            <a:outerShdw blurRad="50800" dist="38100" dir="8100000" algn="tr" rotWithShape="0">
+              <a:prstClr val="black">
+                <a:alpha val="40000"/>
+              </a:prstClr>
+            </a:outerShdw>
+          </a:effectLst>
+        </p:spPr>
+        <p:style>
+          <a:lnRef idx="2">
+            <a:schemeClr val="accent1">
+              <a:shade val="50000"/>
+            </a:schemeClr>
+          </a:lnRef>
+          <a:fillRef idx="1">
+            <a:schemeClr val="accent1"/>
+          </a:fillRef>
+          <a:effectRef idx="0">
+            <a:schemeClr val="accent1"/>
+          </a:effectRef>
+          <a:fontRef idx="minor">
+            <a:schemeClr val="lt1"/>
+          </a:fontRef>
+        </p:style>
+        <p:txBody>
+          <a:bodyPr rtlCol="0" anchor="ctr"/>
+          <a:lstStyle/>
+          <a:p>
+            <a:pPr algn="ctr"/>
+            <a:endParaRPr lang="en-US"/>
+          </a:p>
+        </p:txBody>
+      </p:sp>
+      <p:sp>
+        <p:nvSpPr>
+          <p:cNvPr id="7" name="Rectángulo redondeado 6">
+            <a:extLst>
+              <a:ext uri="{FF2B5EF4-FFF2-40B4-BE49-F238E27FC236}">
+                <a16:creationId xmlns:a16="http://schemas.microsoft.com/office/drawing/2014/main" id="{30CA5903-1CC5-15EF-F52B-60BAD25DB278}"/>
+              </a:ext>
+            </a:extLst>
+          </p:cNvPr>
+          <p:cNvSpPr/>
+          <p:nvPr/>
+        </p:nvSpPr>
+        <p:spPr>
+          <a:xfrm>
+            <a:off x="303166" y="688262"/>
+            <a:ext cx="5993710" cy="796836"/>
+          </a:xfrm>
+          <a:prstGeom prst="roundRect">
+            <a:avLst/>
+          </a:prstGeom>
+          <a:solidFill>
+            <a:schemeClr val="bg1"/>
+          </a:solidFill>
+          <a:ln>
+            <a:noFill/>
+          </a:ln>
+        </p:spPr>
+        <p:style>
+          <a:lnRef idx="0">
+            <a:schemeClr val="accent1"/>
+          </a:lnRef>
+          <a:fillRef idx="3">
+            <a:schemeClr val="accent1"/>
+          </a:fillRef>
+          <a:effectRef idx="3">
+            <a:schemeClr val="accent1"/>
+          </a:effectRef>
+          <a:fontRef idx="minor">
+            <a:schemeClr val="lt1"/>
+          </a:fontRef>
+        </p:style>
+        <p:txBody>
+          <a:bodyPr rtlCol="0" anchor="ctr"/>
+          <a:lstStyle/>
+          <a:p>
+            <a:pPr algn="ctr"/>
+            <a:endParaRPr lang="en-US"/>
+          </a:p>
+        </p:txBody>
+      </p:sp>
+      <p:sp>
+        <p:nvSpPr>
+          <p:cNvPr id="8" name="Título 1">
+            <a:extLst>
+              <a:ext uri="{FF2B5EF4-FFF2-40B4-BE49-F238E27FC236}">
+                <a16:creationId xmlns:a16="http://schemas.microsoft.com/office/drawing/2014/main" id="{752F2884-0A33-EC26-6011-EBCE5E938048}"/>
+              </a:ext>
+            </a:extLst>
+          </p:cNvPr>
+          <p:cNvSpPr txBox="1">
+            <a:spLocks/>
+          </p:cNvSpPr>
+          <p:nvPr/>
+        </p:nvSpPr>
+        <p:spPr>
+          <a:xfrm>
+            <a:off x="543650" y="374754"/>
+            <a:ext cx="6627516" cy="1451937"/>
+          </a:xfrm>
+          <a:prstGeom prst="rect">
+            <a:avLst/>
+          </a:prstGeom>
+          <a:effectLst>
+            <a:outerShdw blurRad="50800" dist="38100" dir="8100000" algn="tr" rotWithShape="0">
+              <a:prstClr val="black">
+                <a:alpha val="40000"/>
+              </a:prstClr>
+            </a:outerShdw>
+          </a:effectLst>
+        </p:spPr>
+        <p:txBody>
+          <a:bodyPr vert="horz" lIns="91440" tIns="45720" rIns="91440" bIns="45720" rtlCol="0" anchor="ctr">
+            <a:normAutofit/>
+          </a:bodyPr>
+          <a:lstStyle>
+            <a:lvl1pPr algn="l" defTabSz="914400" rtl="0" eaLnBrk="1" latinLnBrk="0" hangingPunct="1">
+              <a:lnSpc>
+                <a:spcPct val="90000"/>
+              </a:lnSpc>
+              <a:spcBef>
+                <a:spcPct val="0"/>
+              </a:spcBef>
+              <a:buNone/>
+              <a:defRPr sz="4400" kern="1200">
+                <a:solidFill>
+                  <a:schemeClr val="tx1"/>
+                </a:solidFill>
+                <a:latin typeface="+mj-lt"/>
+                <a:ea typeface="+mj-ea"/>
+                <a:cs typeface="+mj-cs"/>
+              </a:defRPr>
+            </a:lvl1pPr>
+          </a:lstStyle>
+          <a:p>
+            <a:r>
+              <a:rPr lang="es-PE" b="1" dirty="0">
+                <a:solidFill>
+                  <a:schemeClr val="tx1">
+                    <a:lumMod val="95000"/>
+                    <a:lumOff val="5000"/>
+                  </a:schemeClr>
+                </a:solidFill>
+              </a:rPr>
+              <a:t>Ejecución y pasos</a:t>
+            </a:r>
+          </a:p>
+        </p:txBody>
+      </p:sp>
+      <p:pic>
+        <p:nvPicPr>
+          <p:cNvPr id="9" name="Imagen 8">
+            <a:extLst>
+              <a:ext uri="{FF2B5EF4-FFF2-40B4-BE49-F238E27FC236}">
+                <a16:creationId xmlns:a16="http://schemas.microsoft.com/office/drawing/2014/main" id="{D018E991-4EAF-3D9C-C58A-31C4A1166D1C}"/>
+              </a:ext>
+            </a:extLst>
+          </p:cNvPr>
+          <p:cNvPicPr>
+            <a:picLocks noChangeAspect="1"/>
+          </p:cNvPicPr>
+          <p:nvPr/>
+        </p:nvPicPr>
+        <p:blipFill>
+          <a:blip r:embed="rId5" cstate="hqprint">
+            <a:extLst>
+              <a:ext uri="{28A0092B-C50C-407E-A947-70E740481C1C}">
+                <a14:useLocalDpi xmlns:a14="http://schemas.microsoft.com/office/drawing/2010/main" val="0"/>
+              </a:ext>
+            </a:extLst>
+          </a:blip>
+          <a:stretch>
+            <a:fillRect/>
+          </a:stretch>
+        </p:blipFill>
+        <p:spPr>
+          <a:xfrm rot="10800000">
+            <a:off x="11275379" y="802717"/>
+            <a:ext cx="697896" cy="427152"/>
+          </a:xfrm>
+          <a:prstGeom prst="rect">
+            <a:avLst/>
+          </a:prstGeom>
+        </p:spPr>
+      </p:pic>
+      <p:pic>
+        <p:nvPicPr>
+          <p:cNvPr id="10" name="Imagen 9">
+            <a:extLst>
+              <a:ext uri="{FF2B5EF4-FFF2-40B4-BE49-F238E27FC236}">
+                <a16:creationId xmlns:a16="http://schemas.microsoft.com/office/drawing/2014/main" id="{0D0B0CA2-B605-3D04-CB7C-DD09402565C1}"/>
+              </a:ext>
+            </a:extLst>
+          </p:cNvPr>
+          <p:cNvPicPr>
+            <a:picLocks noChangeAspect="1"/>
+          </p:cNvPicPr>
+          <p:nvPr/>
+        </p:nvPicPr>
+        <p:blipFill>
+          <a:blip r:embed="rId5" cstate="hqprint">
+            <a:extLst>
+              <a:ext uri="{28A0092B-C50C-407E-A947-70E740481C1C}">
+                <a14:useLocalDpi xmlns:a14="http://schemas.microsoft.com/office/drawing/2010/main" val="0"/>
+              </a:ext>
+            </a:extLst>
+          </a:blip>
+          <a:stretch>
+            <a:fillRect/>
+          </a:stretch>
+        </p:blipFill>
+        <p:spPr>
+          <a:xfrm rot="10800000">
+            <a:off x="11275379" y="235131"/>
+            <a:ext cx="697896" cy="427152"/>
+          </a:xfrm>
+          <a:prstGeom prst="rect">
+            <a:avLst/>
+          </a:prstGeom>
+        </p:spPr>
+      </p:pic>
+      <p:cxnSp>
+        <p:nvCxnSpPr>
+          <p:cNvPr id="17" name="Conector recto de flecha 16">
+            <a:extLst>
+              <a:ext uri="{FF2B5EF4-FFF2-40B4-BE49-F238E27FC236}">
+                <a16:creationId xmlns:a16="http://schemas.microsoft.com/office/drawing/2014/main" id="{5804F038-3733-B8DF-B06A-549E9122E12C}"/>
+              </a:ext>
+            </a:extLst>
+          </p:cNvPr>
+          <p:cNvCxnSpPr/>
+          <p:nvPr/>
+        </p:nvCxnSpPr>
+        <p:spPr>
+          <a:xfrm>
+            <a:off x="0" y="374754"/>
+            <a:ext cx="2653259" cy="0"/>
+          </a:xfrm>
+          <a:prstGeom prst="straightConnector1">
+            <a:avLst/>
+          </a:prstGeom>
+          <a:ln>
+            <a:tailEnd type="triangle"/>
+          </a:ln>
+        </p:spPr>
+        <p:style>
+          <a:lnRef idx="1">
+            <a:schemeClr val="accent1"/>
+          </a:lnRef>
+          <a:fillRef idx="0">
+            <a:schemeClr val="accent1"/>
+          </a:fillRef>
+          <a:effectRef idx="0">
+            <a:schemeClr val="accent1"/>
+          </a:effectRef>
+          <a:fontRef idx="minor">
+            <a:schemeClr val="tx1"/>
+          </a:fontRef>
+        </p:style>
+      </p:cxnSp>
+      <p:sp>
+        <p:nvSpPr>
+          <p:cNvPr id="11" name="Marcador de número de diapositiva 10">
+            <a:extLst>
+              <a:ext uri="{FF2B5EF4-FFF2-40B4-BE49-F238E27FC236}">
+                <a16:creationId xmlns:a16="http://schemas.microsoft.com/office/drawing/2014/main" id="{68C17BA6-A5E7-0380-AE57-F3AA0C770F3D}"/>
+              </a:ext>
+            </a:extLst>
+          </p:cNvPr>
+          <p:cNvSpPr>
+            <a:spLocks noGrp="1"/>
+          </p:cNvSpPr>
+          <p:nvPr>
+            <p:ph type="sldNum" sz="quarter" idx="12"/>
+          </p:nvPr>
+        </p:nvSpPr>
+        <p:spPr/>
+        <p:txBody>
+          <a:bodyPr/>
+          <a:lstStyle/>
+          <a:p>
+            <a:fld id="{AFE149D1-B107-43FB-AF62-0EC23BBC3C67}" type="slidenum">
+              <a:rPr lang="es-PE" smtClean="0"/>
+              <a:t>20</a:t>
+            </a:fld>
+            <a:endParaRPr lang="es-PE"/>
+          </a:p>
+        </p:txBody>
+      </p:sp>
+      <p:pic>
+        <p:nvPicPr>
+          <p:cNvPr id="6" name="Picture 220">
+            <a:extLst>
+              <a:ext uri="{FF2B5EF4-FFF2-40B4-BE49-F238E27FC236}">
+                <a16:creationId xmlns:a16="http://schemas.microsoft.com/office/drawing/2014/main" id="{27109A28-B1D1-AF70-5635-1A6D08980B9E}"/>
+              </a:ext>
+            </a:extLst>
+          </p:cNvPr>
+          <p:cNvPicPr>
+            <a:picLocks noChangeAspect="1"/>
+          </p:cNvPicPr>
+          <p:nvPr/>
+        </p:nvPicPr>
+        <p:blipFill>
+          <a:blip r:embed="rId6"/>
+          <a:stretch>
+            <a:fillRect/>
+          </a:stretch>
+        </p:blipFill>
+        <p:spPr>
+          <a:xfrm>
+            <a:off x="252941" y="5973951"/>
+            <a:ext cx="1575955" cy="715241"/>
+          </a:xfrm>
+          <a:prstGeom prst="rect">
+            <a:avLst/>
+          </a:prstGeom>
+        </p:spPr>
+      </p:pic>
+      <p:pic>
+        <p:nvPicPr>
+          <p:cNvPr id="12" name="Google Shape;536;g1151e68693e_4_1471">
+            <a:extLst>
+              <a:ext uri="{FF2B5EF4-FFF2-40B4-BE49-F238E27FC236}">
+                <a16:creationId xmlns:a16="http://schemas.microsoft.com/office/drawing/2014/main" id="{280F1689-A0DE-B848-2EEC-7158CDFEA58E}"/>
+              </a:ext>
+            </a:extLst>
+          </p:cNvPr>
+          <p:cNvPicPr preferRelativeResize="0"/>
+          <p:nvPr/>
+        </p:nvPicPr>
+        <p:blipFill rotWithShape="1">
+          <a:blip r:embed="rId7">
+            <a:alphaModFix/>
+          </a:blip>
+          <a:srcRect/>
+          <a:stretch/>
+        </p:blipFill>
+        <p:spPr>
+          <a:xfrm rot="5399885">
+            <a:off x="6696881" y="736282"/>
+            <a:ext cx="773654" cy="753026"/>
+          </a:xfrm>
+          <a:prstGeom prst="rect">
+            <a:avLst/>
+          </a:prstGeom>
+          <a:noFill/>
+          <a:ln>
+            <a:noFill/>
+          </a:ln>
+        </p:spPr>
+      </p:pic>
+      <p:sp>
+        <p:nvSpPr>
+          <p:cNvPr id="21" name="CuadroTexto 20">
+            <a:extLst>
+              <a:ext uri="{FF2B5EF4-FFF2-40B4-BE49-F238E27FC236}">
+                <a16:creationId xmlns:a16="http://schemas.microsoft.com/office/drawing/2014/main" id="{BE12F636-2035-54D1-70EA-1034BBFB3F99}"/>
+              </a:ext>
+            </a:extLst>
+          </p:cNvPr>
+          <p:cNvSpPr txBox="1"/>
+          <p:nvPr/>
+        </p:nvSpPr>
+        <p:spPr>
+          <a:xfrm>
+            <a:off x="1509391" y="1748598"/>
+            <a:ext cx="7510518" cy="369332"/>
+          </a:xfrm>
+          <a:prstGeom prst="rect">
+            <a:avLst/>
+          </a:prstGeom>
+          <a:noFill/>
+        </p:spPr>
+        <p:txBody>
+          <a:bodyPr wrap="none" rtlCol="0">
+            <a:spAutoFit/>
+          </a:bodyPr>
+          <a:lstStyle/>
+          <a:p>
+            <a:r>
+              <a:rPr lang="es-PE" dirty="0"/>
+              <a:t>Seleccionamos nuestra tabla de la capa GOLD y cargamos el </a:t>
+            </a:r>
+            <a:r>
+              <a:rPr lang="es-PE" dirty="0" err="1"/>
+              <a:t>dataset</a:t>
+            </a:r>
+            <a:r>
+              <a:rPr lang="es-PE" dirty="0"/>
+              <a:t> a </a:t>
+            </a:r>
+            <a:r>
+              <a:rPr lang="es-PE" dirty="0" err="1"/>
+              <a:t>Power</a:t>
+            </a:r>
+            <a:r>
+              <a:rPr lang="es-PE" dirty="0"/>
+              <a:t> BI</a:t>
+            </a:r>
+          </a:p>
+        </p:txBody>
+      </p:sp>
+      <p:pic>
+        <p:nvPicPr>
+          <p:cNvPr id="3" name="Imagen 2">
+            <a:extLst>
+              <a:ext uri="{FF2B5EF4-FFF2-40B4-BE49-F238E27FC236}">
+                <a16:creationId xmlns:a16="http://schemas.microsoft.com/office/drawing/2014/main" id="{D1000C59-12CE-F506-BBB7-59020490F400}"/>
+              </a:ext>
+            </a:extLst>
+          </p:cNvPr>
+          <p:cNvPicPr>
+            <a:picLocks noChangeAspect="1"/>
+          </p:cNvPicPr>
+          <p:nvPr/>
+        </p:nvPicPr>
+        <p:blipFill>
+          <a:blip r:embed="rId8"/>
+          <a:stretch>
+            <a:fillRect/>
+          </a:stretch>
+        </p:blipFill>
+        <p:spPr>
+          <a:xfrm>
+            <a:off x="1686682" y="2183597"/>
+            <a:ext cx="7697723" cy="4194713"/>
+          </a:xfrm>
+          <a:prstGeom prst="rect">
+            <a:avLst/>
+          </a:prstGeom>
+        </p:spPr>
+      </p:pic>
+    </p:spTree>
+    <p:extLst>
+      <p:ext uri="{BB962C8B-B14F-4D97-AF65-F5344CB8AC3E}">
+        <p14:creationId xmlns:p14="http://schemas.microsoft.com/office/powerpoint/2010/main" val="432078202"/>
+      </p:ext>
+    </p:extLst>
+  </p:cSld>
+  <p:clrMapOvr>
+    <a:masterClrMapping/>
+  </p:clrMapOvr>
+  <p:transition spd="slow">
+    <p:wipe/>
+  </p:transition>
+</p:sld>
+</file>
+
+<file path=ppt/slides/slide21.xml><?xml version="1.0" encoding="utf-8"?>
+<p:sld xmlns:a="http://schemas.openxmlformats.org/drawingml/2006/main" xmlns:r="http://schemas.openxmlformats.org/officeDocument/2006/relationships" xmlns:p="http://schemas.openxmlformats.org/presentationml/2006/main">
+  <p:cSld>
+    <p:spTree>
+      <p:nvGrpSpPr>
+        <p:cNvPr id="1" name="">
+          <a:extLst>
+            <a:ext uri="{FF2B5EF4-FFF2-40B4-BE49-F238E27FC236}">
+              <a16:creationId xmlns:a16="http://schemas.microsoft.com/office/drawing/2014/main" id="{65ABEE94-DEF9-5892-B62B-03FF22BCC9B5}"/>
+            </a:ext>
+          </a:extLst>
+        </p:cNvPr>
+        <p:cNvGrpSpPr/>
+        <p:nvPr/>
+      </p:nvGrpSpPr>
+      <p:grpSpPr>
+        <a:xfrm>
+          <a:off x="0" y="0"/>
+          <a:ext cx="0" cy="0"/>
+          <a:chOff x="0" y="0"/>
+          <a:chExt cx="0" cy="0"/>
+        </a:xfrm>
+      </p:grpSpPr>
+      <p:pic>
+        <p:nvPicPr>
+          <p:cNvPr id="5" name="Imagen 4">
+            <a:extLst>
+              <a:ext uri="{FF2B5EF4-FFF2-40B4-BE49-F238E27FC236}">
+                <a16:creationId xmlns:a16="http://schemas.microsoft.com/office/drawing/2014/main" id="{21FB7571-2363-4374-F392-BD622AFCBB4E}"/>
+              </a:ext>
+            </a:extLst>
+          </p:cNvPr>
+          <p:cNvPicPr>
+            <a:picLocks noChangeAspect="1"/>
+          </p:cNvPicPr>
+          <p:nvPr/>
+        </p:nvPicPr>
+        <p:blipFill rotWithShape="1">
+          <a:blip r:embed="rId2" cstate="print">
+            <a:extLst>
+              <a:ext uri="{BEBA8EAE-BF5A-486C-A8C5-ECC9F3942E4B}">
+                <a14:imgProps xmlns:a14="http://schemas.microsoft.com/office/drawing/2010/main">
+                  <a14:imgLayer r:embed="rId3">
+                    <a14:imgEffect>
+                      <a14:brightnessContrast bright="20000" contrast="-40000"/>
+                    </a14:imgEffect>
+                  </a14:imgLayer>
+                </a14:imgProps>
+              </a:ext>
+              <a:ext uri="{28A0092B-C50C-407E-A947-70E740481C1C}">
+                <a14:useLocalDpi xmlns:a14="http://schemas.microsoft.com/office/drawing/2010/main" val="0"/>
+              </a:ext>
+            </a:extLst>
+          </a:blip>
+          <a:srcRect l="5831" t="7422" b="4292"/>
+          <a:stretch/>
+        </p:blipFill>
+        <p:spPr>
+          <a:xfrm>
+            <a:off x="0" y="0"/>
+            <a:ext cx="7697723" cy="6858000"/>
+          </a:xfrm>
+          <a:prstGeom prst="rect">
+            <a:avLst/>
+          </a:prstGeom>
+        </p:spPr>
+      </p:pic>
+      <p:sp>
+        <p:nvSpPr>
+          <p:cNvPr id="25" name="Retraso 24">
+            <a:extLst>
+              <a:ext uri="{FF2B5EF4-FFF2-40B4-BE49-F238E27FC236}">
+                <a16:creationId xmlns:a16="http://schemas.microsoft.com/office/drawing/2014/main" id="{7ECCEAAE-EDE2-D7FE-0D2A-E56234BCB2FF}"/>
+              </a:ext>
+            </a:extLst>
+          </p:cNvPr>
+          <p:cNvSpPr/>
+          <p:nvPr/>
+        </p:nvSpPr>
+        <p:spPr>
+          <a:xfrm flipH="1">
+            <a:off x="11714244" y="6356349"/>
+            <a:ext cx="557307" cy="557307"/>
+          </a:xfrm>
+          <a:prstGeom prst="flowChartDelay">
+            <a:avLst/>
+          </a:prstGeom>
+          <a:solidFill>
+            <a:srgbClr val="4CA4D8"/>
+          </a:solidFill>
+          <a:ln>
+            <a:noFill/>
+          </a:ln>
+          <a:effectLst>
+            <a:outerShdw blurRad="50800" dist="38100" dir="8100000" algn="tr" rotWithShape="0">
+              <a:prstClr val="black">
+                <a:alpha val="40000"/>
+              </a:prstClr>
+            </a:outerShdw>
+          </a:effectLst>
+        </p:spPr>
+        <p:style>
+          <a:lnRef idx="2">
+            <a:schemeClr val="accent1">
+              <a:shade val="50000"/>
+            </a:schemeClr>
+          </a:lnRef>
+          <a:fillRef idx="1">
+            <a:schemeClr val="accent1"/>
+          </a:fillRef>
+          <a:effectRef idx="0">
+            <a:schemeClr val="accent1"/>
+          </a:effectRef>
+          <a:fontRef idx="minor">
+            <a:schemeClr val="lt1"/>
+          </a:fontRef>
+        </p:style>
+        <p:txBody>
+          <a:bodyPr rtlCol="0" anchor="ctr"/>
+          <a:lstStyle/>
+          <a:p>
+            <a:pPr algn="ctr"/>
+            <a:endParaRPr lang="en-US"/>
+          </a:p>
+        </p:txBody>
+      </p:sp>
+      <p:pic>
+        <p:nvPicPr>
+          <p:cNvPr id="22" name="Imagen 21">
+            <a:extLst>
+              <a:ext uri="{FF2B5EF4-FFF2-40B4-BE49-F238E27FC236}">
+                <a16:creationId xmlns:a16="http://schemas.microsoft.com/office/drawing/2014/main" id="{75C15191-8241-EA8F-B2CA-72742A3459B2}"/>
+              </a:ext>
+            </a:extLst>
+          </p:cNvPr>
+          <p:cNvPicPr>
+            <a:picLocks noChangeAspect="1"/>
+          </p:cNvPicPr>
+          <p:nvPr/>
+        </p:nvPicPr>
+        <p:blipFill>
+          <a:blip r:embed="rId4" cstate="hqprint">
+            <a:extLst>
+              <a:ext uri="{28A0092B-C50C-407E-A947-70E740481C1C}">
+                <a14:useLocalDpi xmlns:a14="http://schemas.microsoft.com/office/drawing/2010/main" val="0"/>
+              </a:ext>
+            </a:extLst>
+          </a:blip>
+          <a:stretch>
+            <a:fillRect/>
+          </a:stretch>
+        </p:blipFill>
+        <p:spPr>
+          <a:xfrm rot="10800000">
+            <a:off x="11275379" y="5374781"/>
+            <a:ext cx="697896" cy="479718"/>
+          </a:xfrm>
+          <a:prstGeom prst="rect">
+            <a:avLst/>
+          </a:prstGeom>
+        </p:spPr>
+      </p:pic>
+      <p:pic>
+        <p:nvPicPr>
+          <p:cNvPr id="23" name="Imagen 22">
+            <a:extLst>
+              <a:ext uri="{FF2B5EF4-FFF2-40B4-BE49-F238E27FC236}">
+                <a16:creationId xmlns:a16="http://schemas.microsoft.com/office/drawing/2014/main" id="{AB4930FF-F858-540F-3172-3C3996BB3729}"/>
+              </a:ext>
+            </a:extLst>
+          </p:cNvPr>
+          <p:cNvPicPr>
+            <a:picLocks noChangeAspect="1"/>
+          </p:cNvPicPr>
+          <p:nvPr/>
+        </p:nvPicPr>
+        <p:blipFill>
+          <a:blip r:embed="rId4" cstate="hqprint">
+            <a:extLst>
+              <a:ext uri="{28A0092B-C50C-407E-A947-70E740481C1C}">
+                <a14:useLocalDpi xmlns:a14="http://schemas.microsoft.com/office/drawing/2010/main" val="0"/>
+              </a:ext>
+            </a:extLst>
+          </a:blip>
+          <a:stretch>
+            <a:fillRect/>
+          </a:stretch>
+        </p:blipFill>
+        <p:spPr>
+          <a:xfrm rot="10800000">
+            <a:off x="11275379" y="4807195"/>
+            <a:ext cx="697896" cy="479718"/>
+          </a:xfrm>
+          <a:prstGeom prst="rect">
+            <a:avLst/>
+          </a:prstGeom>
+        </p:spPr>
+      </p:pic>
+      <p:sp>
+        <p:nvSpPr>
+          <p:cNvPr id="15" name="Retraso 14">
+            <a:extLst>
+              <a:ext uri="{FF2B5EF4-FFF2-40B4-BE49-F238E27FC236}">
+                <a16:creationId xmlns:a16="http://schemas.microsoft.com/office/drawing/2014/main" id="{C9DF1F3C-677B-CD1A-7811-796F0FE3D186}"/>
+              </a:ext>
+            </a:extLst>
+          </p:cNvPr>
+          <p:cNvSpPr/>
+          <p:nvPr/>
+        </p:nvSpPr>
+        <p:spPr>
+          <a:xfrm>
+            <a:off x="0" y="494675"/>
+            <a:ext cx="1229193" cy="1184223"/>
+          </a:xfrm>
+          <a:prstGeom prst="flowChartDelay">
+            <a:avLst/>
+          </a:prstGeom>
+          <a:solidFill>
+            <a:srgbClr val="4CA4D8"/>
+          </a:solidFill>
+          <a:ln>
+            <a:noFill/>
+          </a:ln>
+          <a:effectLst>
+            <a:outerShdw blurRad="50800" dist="38100" dir="8100000" algn="tr" rotWithShape="0">
+              <a:prstClr val="black">
+                <a:alpha val="40000"/>
+              </a:prstClr>
+            </a:outerShdw>
+          </a:effectLst>
+        </p:spPr>
+        <p:style>
+          <a:lnRef idx="2">
+            <a:schemeClr val="accent1">
+              <a:shade val="50000"/>
+            </a:schemeClr>
+          </a:lnRef>
+          <a:fillRef idx="1">
+            <a:schemeClr val="accent1"/>
+          </a:fillRef>
+          <a:effectRef idx="0">
+            <a:schemeClr val="accent1"/>
+          </a:effectRef>
+          <a:fontRef idx="minor">
+            <a:schemeClr val="lt1"/>
+          </a:fontRef>
+        </p:style>
+        <p:txBody>
+          <a:bodyPr rtlCol="0" anchor="ctr"/>
+          <a:lstStyle/>
+          <a:p>
+            <a:pPr algn="ctr"/>
+            <a:endParaRPr lang="en-US"/>
+          </a:p>
+        </p:txBody>
+      </p:sp>
+      <p:sp>
+        <p:nvSpPr>
+          <p:cNvPr id="7" name="Rectángulo redondeado 6">
+            <a:extLst>
+              <a:ext uri="{FF2B5EF4-FFF2-40B4-BE49-F238E27FC236}">
+                <a16:creationId xmlns:a16="http://schemas.microsoft.com/office/drawing/2014/main" id="{0D58F9A7-3AB4-6002-9E5A-852D0B3AD2D4}"/>
+              </a:ext>
+            </a:extLst>
+          </p:cNvPr>
+          <p:cNvSpPr/>
+          <p:nvPr/>
+        </p:nvSpPr>
+        <p:spPr>
+          <a:xfrm>
+            <a:off x="303166" y="688262"/>
+            <a:ext cx="5993710" cy="796836"/>
+          </a:xfrm>
+          <a:prstGeom prst="roundRect">
+            <a:avLst/>
+          </a:prstGeom>
+          <a:solidFill>
+            <a:schemeClr val="bg1"/>
+          </a:solidFill>
+          <a:ln>
+            <a:noFill/>
+          </a:ln>
+        </p:spPr>
+        <p:style>
+          <a:lnRef idx="0">
+            <a:schemeClr val="accent1"/>
+          </a:lnRef>
+          <a:fillRef idx="3">
+            <a:schemeClr val="accent1"/>
+          </a:fillRef>
+          <a:effectRef idx="3">
+            <a:schemeClr val="accent1"/>
+          </a:effectRef>
+          <a:fontRef idx="minor">
+            <a:schemeClr val="lt1"/>
+          </a:fontRef>
+        </p:style>
+        <p:txBody>
+          <a:bodyPr rtlCol="0" anchor="ctr"/>
+          <a:lstStyle/>
+          <a:p>
+            <a:pPr algn="ctr"/>
+            <a:endParaRPr lang="en-US"/>
+          </a:p>
+        </p:txBody>
+      </p:sp>
+      <p:sp>
+        <p:nvSpPr>
+          <p:cNvPr id="8" name="Título 1">
+            <a:extLst>
+              <a:ext uri="{FF2B5EF4-FFF2-40B4-BE49-F238E27FC236}">
+                <a16:creationId xmlns:a16="http://schemas.microsoft.com/office/drawing/2014/main" id="{9E7FBAFA-D5CC-A65B-1B1E-065B0811C66C}"/>
+              </a:ext>
+            </a:extLst>
+          </p:cNvPr>
+          <p:cNvSpPr txBox="1">
+            <a:spLocks/>
+          </p:cNvSpPr>
+          <p:nvPr/>
+        </p:nvSpPr>
+        <p:spPr>
+          <a:xfrm>
+            <a:off x="543650" y="374754"/>
+            <a:ext cx="6627516" cy="1451937"/>
+          </a:xfrm>
+          <a:prstGeom prst="rect">
+            <a:avLst/>
+          </a:prstGeom>
+          <a:effectLst>
+            <a:outerShdw blurRad="50800" dist="38100" dir="8100000" algn="tr" rotWithShape="0">
+              <a:prstClr val="black">
+                <a:alpha val="40000"/>
+              </a:prstClr>
+            </a:outerShdw>
+          </a:effectLst>
+        </p:spPr>
+        <p:txBody>
+          <a:bodyPr vert="horz" lIns="91440" tIns="45720" rIns="91440" bIns="45720" rtlCol="0" anchor="ctr">
+            <a:normAutofit/>
+          </a:bodyPr>
+          <a:lstStyle>
+            <a:lvl1pPr algn="l" defTabSz="914400" rtl="0" eaLnBrk="1" latinLnBrk="0" hangingPunct="1">
+              <a:lnSpc>
+                <a:spcPct val="90000"/>
+              </a:lnSpc>
+              <a:spcBef>
+                <a:spcPct val="0"/>
+              </a:spcBef>
+              <a:buNone/>
+              <a:defRPr sz="4400" kern="1200">
+                <a:solidFill>
+                  <a:schemeClr val="tx1"/>
+                </a:solidFill>
+                <a:latin typeface="+mj-lt"/>
+                <a:ea typeface="+mj-ea"/>
+                <a:cs typeface="+mj-cs"/>
+              </a:defRPr>
+            </a:lvl1pPr>
+          </a:lstStyle>
+          <a:p>
+            <a:r>
+              <a:rPr lang="es-PE" b="1" dirty="0">
+                <a:solidFill>
+                  <a:schemeClr val="tx1">
+                    <a:lumMod val="95000"/>
+                    <a:lumOff val="5000"/>
+                  </a:schemeClr>
+                </a:solidFill>
+              </a:rPr>
+              <a:t>Resultado</a:t>
+            </a:r>
+          </a:p>
+        </p:txBody>
+      </p:sp>
+      <p:pic>
+        <p:nvPicPr>
+          <p:cNvPr id="9" name="Imagen 8">
+            <a:extLst>
+              <a:ext uri="{FF2B5EF4-FFF2-40B4-BE49-F238E27FC236}">
+                <a16:creationId xmlns:a16="http://schemas.microsoft.com/office/drawing/2014/main" id="{5087BA36-9E59-85E6-03C8-28F84A14A6CF}"/>
+              </a:ext>
+            </a:extLst>
+          </p:cNvPr>
+          <p:cNvPicPr>
+            <a:picLocks noChangeAspect="1"/>
+          </p:cNvPicPr>
+          <p:nvPr/>
+        </p:nvPicPr>
+        <p:blipFill>
+          <a:blip r:embed="rId5" cstate="hqprint">
+            <a:extLst>
+              <a:ext uri="{28A0092B-C50C-407E-A947-70E740481C1C}">
+                <a14:useLocalDpi xmlns:a14="http://schemas.microsoft.com/office/drawing/2010/main" val="0"/>
+              </a:ext>
+            </a:extLst>
+          </a:blip>
+          <a:stretch>
+            <a:fillRect/>
+          </a:stretch>
+        </p:blipFill>
+        <p:spPr>
+          <a:xfrm rot="10800000">
+            <a:off x="11275379" y="802717"/>
+            <a:ext cx="697896" cy="427152"/>
+          </a:xfrm>
+          <a:prstGeom prst="rect">
+            <a:avLst/>
+          </a:prstGeom>
+        </p:spPr>
+      </p:pic>
+      <p:pic>
+        <p:nvPicPr>
+          <p:cNvPr id="10" name="Imagen 9">
+            <a:extLst>
+              <a:ext uri="{FF2B5EF4-FFF2-40B4-BE49-F238E27FC236}">
+                <a16:creationId xmlns:a16="http://schemas.microsoft.com/office/drawing/2014/main" id="{512A5E4F-6F1F-FDEF-498B-A4DBF6C8F27B}"/>
+              </a:ext>
+            </a:extLst>
+          </p:cNvPr>
+          <p:cNvPicPr>
+            <a:picLocks noChangeAspect="1"/>
+          </p:cNvPicPr>
+          <p:nvPr/>
+        </p:nvPicPr>
+        <p:blipFill>
+          <a:blip r:embed="rId5" cstate="hqprint">
+            <a:extLst>
+              <a:ext uri="{28A0092B-C50C-407E-A947-70E740481C1C}">
+                <a14:useLocalDpi xmlns:a14="http://schemas.microsoft.com/office/drawing/2010/main" val="0"/>
+              </a:ext>
+            </a:extLst>
+          </a:blip>
+          <a:stretch>
+            <a:fillRect/>
+          </a:stretch>
+        </p:blipFill>
+        <p:spPr>
+          <a:xfrm rot="10800000">
+            <a:off x="11275379" y="235131"/>
+            <a:ext cx="697896" cy="427152"/>
+          </a:xfrm>
+          <a:prstGeom prst="rect">
+            <a:avLst/>
+          </a:prstGeom>
+        </p:spPr>
+      </p:pic>
+      <p:cxnSp>
+        <p:nvCxnSpPr>
+          <p:cNvPr id="17" name="Conector recto de flecha 16">
+            <a:extLst>
+              <a:ext uri="{FF2B5EF4-FFF2-40B4-BE49-F238E27FC236}">
+                <a16:creationId xmlns:a16="http://schemas.microsoft.com/office/drawing/2014/main" id="{17573E32-32F3-1EB2-3EC1-E040B3051541}"/>
+              </a:ext>
+            </a:extLst>
+          </p:cNvPr>
+          <p:cNvCxnSpPr/>
+          <p:nvPr/>
+        </p:nvCxnSpPr>
+        <p:spPr>
+          <a:xfrm>
+            <a:off x="0" y="374754"/>
+            <a:ext cx="2653259" cy="0"/>
+          </a:xfrm>
+          <a:prstGeom prst="straightConnector1">
+            <a:avLst/>
+          </a:prstGeom>
+          <a:ln>
+            <a:tailEnd type="triangle"/>
+          </a:ln>
+        </p:spPr>
+        <p:style>
+          <a:lnRef idx="1">
+            <a:schemeClr val="accent1"/>
+          </a:lnRef>
+          <a:fillRef idx="0">
+            <a:schemeClr val="accent1"/>
+          </a:fillRef>
+          <a:effectRef idx="0">
+            <a:schemeClr val="accent1"/>
+          </a:effectRef>
+          <a:fontRef idx="minor">
+            <a:schemeClr val="tx1"/>
+          </a:fontRef>
+        </p:style>
+      </p:cxnSp>
+      <p:sp>
+        <p:nvSpPr>
+          <p:cNvPr id="11" name="Marcador de número de diapositiva 10">
+            <a:extLst>
+              <a:ext uri="{FF2B5EF4-FFF2-40B4-BE49-F238E27FC236}">
+                <a16:creationId xmlns:a16="http://schemas.microsoft.com/office/drawing/2014/main" id="{772D1882-94DA-7C60-0AF3-7DE01BFD5347}"/>
+              </a:ext>
+            </a:extLst>
+          </p:cNvPr>
+          <p:cNvSpPr>
+            <a:spLocks noGrp="1"/>
+          </p:cNvSpPr>
+          <p:nvPr>
+            <p:ph type="sldNum" sz="quarter" idx="12"/>
+          </p:nvPr>
+        </p:nvSpPr>
+        <p:spPr/>
+        <p:txBody>
+          <a:bodyPr/>
+          <a:lstStyle/>
+          <a:p>
+            <a:fld id="{AFE149D1-B107-43FB-AF62-0EC23BBC3C67}" type="slidenum">
+              <a:rPr lang="es-PE" smtClean="0"/>
+              <a:t>21</a:t>
+            </a:fld>
+            <a:endParaRPr lang="es-PE"/>
+          </a:p>
+        </p:txBody>
+      </p:sp>
+      <p:pic>
+        <p:nvPicPr>
+          <p:cNvPr id="6" name="Picture 220">
+            <a:extLst>
+              <a:ext uri="{FF2B5EF4-FFF2-40B4-BE49-F238E27FC236}">
+                <a16:creationId xmlns:a16="http://schemas.microsoft.com/office/drawing/2014/main" id="{1093F872-7B1F-6533-7D6F-3EA18538930C}"/>
+              </a:ext>
+            </a:extLst>
+          </p:cNvPr>
+          <p:cNvPicPr>
+            <a:picLocks noChangeAspect="1"/>
+          </p:cNvPicPr>
+          <p:nvPr/>
+        </p:nvPicPr>
+        <p:blipFill>
+          <a:blip r:embed="rId6"/>
+          <a:stretch>
+            <a:fillRect/>
+          </a:stretch>
+        </p:blipFill>
+        <p:spPr>
+          <a:xfrm>
+            <a:off x="252941" y="5973951"/>
+            <a:ext cx="1575955" cy="715241"/>
+          </a:xfrm>
+          <a:prstGeom prst="rect">
+            <a:avLst/>
+          </a:prstGeom>
+        </p:spPr>
+      </p:pic>
+      <p:pic>
+        <p:nvPicPr>
+          <p:cNvPr id="12" name="Google Shape;536;g1151e68693e_4_1471">
+            <a:extLst>
+              <a:ext uri="{FF2B5EF4-FFF2-40B4-BE49-F238E27FC236}">
+                <a16:creationId xmlns:a16="http://schemas.microsoft.com/office/drawing/2014/main" id="{CABFA0BF-4264-07DE-5205-4AFAAB671838}"/>
+              </a:ext>
+            </a:extLst>
+          </p:cNvPr>
+          <p:cNvPicPr preferRelativeResize="0"/>
+          <p:nvPr/>
+        </p:nvPicPr>
+        <p:blipFill rotWithShape="1">
+          <a:blip r:embed="rId7">
+            <a:alphaModFix/>
+          </a:blip>
+          <a:srcRect/>
+          <a:stretch/>
+        </p:blipFill>
+        <p:spPr>
+          <a:xfrm rot="5399885">
+            <a:off x="6696881" y="736282"/>
+            <a:ext cx="773654" cy="753026"/>
+          </a:xfrm>
+          <a:prstGeom prst="rect">
+            <a:avLst/>
+          </a:prstGeom>
+          <a:noFill/>
+          <a:ln>
+            <a:noFill/>
+          </a:ln>
+        </p:spPr>
+      </p:pic>
+      <p:sp>
+        <p:nvSpPr>
+          <p:cNvPr id="21" name="CuadroTexto 20">
+            <a:extLst>
+              <a:ext uri="{FF2B5EF4-FFF2-40B4-BE49-F238E27FC236}">
+                <a16:creationId xmlns:a16="http://schemas.microsoft.com/office/drawing/2014/main" id="{AB6B8E0E-0365-1BDA-5FFA-AF44CEA824B8}"/>
+              </a:ext>
+            </a:extLst>
+          </p:cNvPr>
+          <p:cNvSpPr txBox="1"/>
+          <p:nvPr/>
+        </p:nvSpPr>
+        <p:spPr>
+          <a:xfrm>
+            <a:off x="1509391" y="1748598"/>
+            <a:ext cx="7278403" cy="369332"/>
+          </a:xfrm>
+          <a:prstGeom prst="rect">
+            <a:avLst/>
+          </a:prstGeom>
+          <a:noFill/>
+        </p:spPr>
+        <p:txBody>
+          <a:bodyPr wrap="none" rtlCol="0">
+            <a:spAutoFit/>
+          </a:bodyPr>
+          <a:lstStyle/>
+          <a:p>
+            <a:r>
+              <a:rPr lang="es-PE" dirty="0"/>
+              <a:t>Muestra de </a:t>
+            </a:r>
+            <a:r>
+              <a:rPr lang="es-PE" dirty="0" err="1"/>
+              <a:t>dashboard</a:t>
+            </a:r>
+            <a:r>
+              <a:rPr lang="es-PE" dirty="0"/>
+              <a:t> con los resultados de la capa GOLD y en </a:t>
+            </a:r>
+            <a:r>
+              <a:rPr lang="es-PE" dirty="0" err="1"/>
+              <a:t>DirectQuery</a:t>
+            </a:r>
+            <a:endParaRPr lang="es-PE" dirty="0"/>
+          </a:p>
+        </p:txBody>
+      </p:sp>
+      <p:pic>
+        <p:nvPicPr>
+          <p:cNvPr id="3" name="Imagen 2">
+            <a:extLst>
+              <a:ext uri="{FF2B5EF4-FFF2-40B4-BE49-F238E27FC236}">
+                <a16:creationId xmlns:a16="http://schemas.microsoft.com/office/drawing/2014/main" id="{B6CEE246-8E9D-E38C-C22E-B07501B229B4}"/>
+              </a:ext>
+            </a:extLst>
+          </p:cNvPr>
+          <p:cNvPicPr>
+            <a:picLocks noChangeAspect="1"/>
+          </p:cNvPicPr>
+          <p:nvPr/>
+        </p:nvPicPr>
+        <p:blipFill>
+          <a:blip r:embed="rId8"/>
+          <a:stretch>
+            <a:fillRect/>
+          </a:stretch>
+        </p:blipFill>
+        <p:spPr>
+          <a:xfrm>
+            <a:off x="1509391" y="2049718"/>
+            <a:ext cx="8281709" cy="4561324"/>
+          </a:xfrm>
+          <a:prstGeom prst="rect">
+            <a:avLst/>
+          </a:prstGeom>
+        </p:spPr>
+      </p:pic>
+    </p:spTree>
+    <p:extLst>
+      <p:ext uri="{BB962C8B-B14F-4D97-AF65-F5344CB8AC3E}">
+        <p14:creationId xmlns:p14="http://schemas.microsoft.com/office/powerpoint/2010/main" val="3628587087"/>
+      </p:ext>
+    </p:extLst>
+  </p:cSld>
+  <p:clrMapOvr>
+    <a:masterClrMapping/>
+  </p:clrMapOvr>
+  <p:transition spd="slow">
+    <p:wipe/>
+  </p:transition>
+</p:sld>
+</file>
+
+<file path=ppt/slides/slide22.xml><?xml version="1.0" encoding="utf-8"?>
+<p:sld xmlns:a="http://schemas.openxmlformats.org/drawingml/2006/main" xmlns:r="http://schemas.openxmlformats.org/officeDocument/2006/relationships" xmlns:p="http://schemas.openxmlformats.org/presentationml/2006/main">
+  <p:cSld>
+    <p:spTree>
+      <p:nvGrpSpPr>
         <p:cNvPr id="1" name=""/>
         <p:cNvGrpSpPr/>
         <p:nvPr/>
@@ -12232,7 +13597,7 @@
           <a:p>
             <a:fld id="{AFE149D1-B107-43FB-AF62-0EC23BBC3C67}" type="slidenum">
               <a:rPr lang="es-PE" smtClean="0"/>
-              <a:t>20</a:t>
+              <a:t>22</a:t>
             </a:fld>
             <a:endParaRPr lang="es-PE"/>
           </a:p>
@@ -12889,7 +14254,7 @@
         <p:spPr>
           <a:xfrm>
             <a:off x="4603077" y="2663814"/>
-            <a:ext cx="3264624" cy="2031325"/>
+            <a:ext cx="3264624" cy="2585323"/>
           </a:xfrm>
           <a:prstGeom prst="rect">
             <a:avLst/>
@@ -12908,15 +14273,15 @@
             </a:r>
             <a:r>
               <a:rPr lang="es-ES" b="1" dirty="0"/>
-              <a:t>realizar un ETL utilizando la tecnología de DLT (Delta Live Tables) para rastrear en tiempo real los desembolsos de créditos en la entidad financiera “</a:t>
+              <a:t>realizar un ETL utilizando la tecnología de DLT (Delta Live Tables) para rastrear en tiempo real los desembolsos de créditos en una entidad financiera. Además se utilizará los ambientes de DEVELOP y CERT para el despliegue con </a:t>
             </a:r>
             <a:r>
               <a:rPr lang="es-ES" b="1" dirty="0" err="1"/>
-              <a:t>PrestaSol</a:t>
+              <a:t>github</a:t>
             </a:r>
             <a:r>
               <a:rPr lang="es-ES" b="1" dirty="0"/>
-              <a:t>”</a:t>
+              <a:t>.</a:t>
             </a:r>
             <a:endParaRPr lang="es-PE" b="1" dirty="0"/>
           </a:p>
@@ -17784,15 +19149,6 @@
 </file>
 
 <file path=customXml/item1.xml><?xml version="1.0" encoding="utf-8"?>
-<?mso-contentType ?>
-<FormTemplates xmlns="http://schemas.microsoft.com/sharepoint/v3/contenttype/forms">
-  <Display>DocumentLibraryForm</Display>
-  <Edit>DocumentLibraryForm</Edit>
-  <New>DocumentLibraryForm</New>
-</FormTemplates>
-</file>
-
-<file path=customXml/item2.xml><?xml version="1.0" encoding="utf-8"?>
 <ct:contentTypeSchema xmlns:ct="http://schemas.microsoft.com/office/2006/metadata/contentType" xmlns:ma="http://schemas.microsoft.com/office/2006/metadata/properties/metaAttributes" ct:_="" ma:_="" ma:contentTypeName="Document" ma:contentTypeID="0x010100380227A932408449ABD5D71FCA8B2BF0" ma:contentTypeVersion="15" ma:contentTypeDescription="Create a new document." ma:contentTypeScope="" ma:versionID="50b1dd412f2f6d84cefa61ad4d45c548">
   <xsd:schema xmlns:xsd="http://www.w3.org/2001/XMLSchema" xmlns:xs="http://www.w3.org/2001/XMLSchema" xmlns:p="http://schemas.microsoft.com/office/2006/metadata/properties" xmlns:ns3="96e90a7b-432e-4557-a390-f1177b19d557" xmlns:ns4="c1ed70ac-047a-4dd5-9b3c-3433076e452a" targetNamespace="http://schemas.microsoft.com/office/2006/metadata/properties" ma:root="true" ma:fieldsID="d4a3d6247bb1bf6ed2ec2716276a7c67" ns3:_="" ns4:_="">
     <xsd:import namespace="96e90a7b-432e-4557-a390-f1177b19d557"/>
@@ -18025,6 +19381,15 @@
 </ct:contentTypeSchema>
 </file>
 
+<file path=customXml/item2.xml><?xml version="1.0" encoding="utf-8"?>
+<?mso-contentType ?>
+<FormTemplates xmlns="http://schemas.microsoft.com/sharepoint/v3/contenttype/forms">
+  <Display>DocumentLibraryForm</Display>
+  <Edit>DocumentLibraryForm</Edit>
+  <New>DocumentLibraryForm</New>
+</FormTemplates>
+</file>
+
 <file path=customXml/item3.xml><?xml version="1.0" encoding="utf-8"?>
 <p:properties xmlns:p="http://schemas.microsoft.com/office/2006/metadata/properties" xmlns:xsi="http://www.w3.org/2001/XMLSchema-instance" xmlns:pc="http://schemas.microsoft.com/office/infopath/2007/PartnerControls">
   <documentManagement>
@@ -18034,14 +19399,6 @@
 </file>
 
 <file path=customXml/itemProps1.xml><?xml version="1.0" encoding="utf-8"?>
-<ds:datastoreItem xmlns:ds="http://schemas.openxmlformats.org/officeDocument/2006/customXml" ds:itemID="{9DCDE84F-3633-4185-921A-3F8EA6741BEF}">
-  <ds:schemaRefs>
-    <ds:schemaRef ds:uri="http://schemas.microsoft.com/sharepoint/v3/contenttype/forms"/>
-  </ds:schemaRefs>
-</ds:datastoreItem>
-</file>
-
-<file path=customXml/itemProps2.xml><?xml version="1.0" encoding="utf-8"?>
 <ds:datastoreItem xmlns:ds="http://schemas.openxmlformats.org/officeDocument/2006/customXml" ds:itemID="{F79C80DD-ED4C-40FC-B0DA-C16D9405136E}">
   <ds:schemaRefs>
     <ds:schemaRef ds:uri="96e90a7b-432e-4557-a390-f1177b19d557"/>
@@ -18056,6 +19413,14 @@
     <ds:schemaRef ds:uri="http://schemas.microsoft.com/office/infopath/2007/PartnerControls"/>
     <ds:schemaRef ds:uri="http://schemas.openxmlformats.org/package/2006/metadata/core-properties"/>
     <ds:schemaRef ds:uri="http://www.w3.org/2001/XMLSchema"/>
+  </ds:schemaRefs>
+</ds:datastoreItem>
+</file>
+
+<file path=customXml/itemProps2.xml><?xml version="1.0" encoding="utf-8"?>
+<ds:datastoreItem xmlns:ds="http://schemas.openxmlformats.org/officeDocument/2006/customXml" ds:itemID="{9DCDE84F-3633-4185-921A-3F8EA6741BEF}">
+  <ds:schemaRefs>
+    <ds:schemaRef ds:uri="http://schemas.microsoft.com/sharepoint/v3/contenttype/forms"/>
   </ds:schemaRefs>
 </ds:datastoreItem>
 </file>
